--- a/contacts/histogram/bin_size_5/contact comparison.pptx
+++ b/contacts/histogram/bin_size_5/contact comparison.pptx
@@ -3100,6 +3100,96 @@
           <a:chExt cx="0" cy="0"/>
         </a:xfrm>
       </p:grpSpPr>
+      <p:pic>
+        <p:nvPicPr>
+          <p:cNvPr id="5" name="Picture 4" descr="D206mR_plot.png"/>
+          <p:cNvPicPr>
+            <a:picLocks noChangeAspect="1"/>
+          </p:cNvPicPr>
+          <p:nvPr/>
+        </p:nvPicPr>
+        <p:blipFill>
+          <a:blip r:embed="rId2">
+            <a:extLst>
+              <a:ext uri="{28A0092B-C50C-407E-A947-70E740481C1C}">
+                <a14:useLocalDpi xmlns:a14="http://schemas.microsoft.com/office/drawing/2010/main" val="0"/>
+              </a:ext>
+            </a:extLst>
+          </a:blip>
+          <a:stretch>
+            <a:fillRect/>
+          </a:stretch>
+        </p:blipFill>
+        <p:spPr>
+          <a:xfrm>
+            <a:off x="1526770" y="1170807"/>
+            <a:ext cx="4969838" cy="3727379"/>
+          </a:xfrm>
+          <a:prstGeom prst="rect">
+            <a:avLst/>
+          </a:prstGeom>
+        </p:spPr>
+      </p:pic>
+      <p:pic>
+        <p:nvPicPr>
+          <p:cNvPr id="11" name="Picture 10" descr="D410mR_plot.png"/>
+          <p:cNvPicPr>
+            <a:picLocks noChangeAspect="1"/>
+          </p:cNvPicPr>
+          <p:nvPr/>
+        </p:nvPicPr>
+        <p:blipFill>
+          <a:blip r:embed="rId3">
+            <a:extLst>
+              <a:ext uri="{28A0092B-C50C-407E-A947-70E740481C1C}">
+                <a14:useLocalDpi xmlns:a14="http://schemas.microsoft.com/office/drawing/2010/main" val="0"/>
+              </a:ext>
+            </a:extLst>
+          </a:blip>
+          <a:stretch>
+            <a:fillRect/>
+          </a:stretch>
+        </p:blipFill>
+        <p:spPr>
+          <a:xfrm>
+            <a:off x="1562048" y="8930884"/>
+            <a:ext cx="4969838" cy="3727379"/>
+          </a:xfrm>
+          <a:prstGeom prst="rect">
+            <a:avLst/>
+          </a:prstGeom>
+        </p:spPr>
+      </p:pic>
+      <p:pic>
+        <p:nvPicPr>
+          <p:cNvPr id="12" name="Picture 11" descr="D430mR_plot.png"/>
+          <p:cNvPicPr>
+            <a:picLocks noChangeAspect="1"/>
+          </p:cNvPicPr>
+          <p:nvPr/>
+        </p:nvPicPr>
+        <p:blipFill>
+          <a:blip r:embed="rId4">
+            <a:extLst>
+              <a:ext uri="{28A0092B-C50C-407E-A947-70E740481C1C}">
+                <a14:useLocalDpi xmlns:a14="http://schemas.microsoft.com/office/drawing/2010/main" val="0"/>
+              </a:ext>
+            </a:extLst>
+          </a:blip>
+          <a:stretch>
+            <a:fillRect/>
+          </a:stretch>
+        </p:blipFill>
+        <p:spPr>
+          <a:xfrm>
+            <a:off x="1534592" y="5035281"/>
+            <a:ext cx="4983821" cy="3737866"/>
+          </a:xfrm>
+          <a:prstGeom prst="rect">
+            <a:avLst/>
+          </a:prstGeom>
+        </p:spPr>
+      </p:pic>
       <p:graphicFrame>
         <p:nvGraphicFramePr>
           <p:cNvPr id="6" name="Table 5"/>
@@ -3686,7 +3776,7 @@
                     <a:bodyPr/>
                     <a:lstStyle/>
                     <a:p>
-                      <a:endParaRPr lang="en-US"/>
+                      <a:endParaRPr lang="en-US" dirty="0"/>
                     </a:p>
                   </a:txBody>
                   <a:tcPr marL="114300" marR="114300">
@@ -4117,97 +4207,7 @@
       </p:graphicFrame>
       <p:pic>
         <p:nvPicPr>
-          <p:cNvPr id="7" name="Picture 6" descr="D206mR_plot.png"/>
-          <p:cNvPicPr>
-            <a:picLocks noChangeAspect="1"/>
-          </p:cNvPicPr>
-          <p:nvPr/>
-        </p:nvPicPr>
-        <p:blipFill>
-          <a:blip r:embed="rId2">
-            <a:extLst>
-              <a:ext uri="{28A0092B-C50C-407E-A947-70E740481C1C}">
-                <a14:useLocalDpi xmlns:a14="http://schemas.microsoft.com/office/drawing/2010/main" val="0"/>
-              </a:ext>
-            </a:extLst>
-          </a:blip>
-          <a:stretch>
-            <a:fillRect/>
-          </a:stretch>
-        </p:blipFill>
-        <p:spPr>
-          <a:xfrm>
-            <a:off x="1498221" y="1142487"/>
-            <a:ext cx="5022328" cy="3766746"/>
-          </a:xfrm>
-          <a:prstGeom prst="rect">
-            <a:avLst/>
-          </a:prstGeom>
-        </p:spPr>
-      </p:pic>
-      <p:pic>
-        <p:nvPicPr>
           <p:cNvPr id="8" name="Picture 7" descr="D206mut165_plot.png"/>
-          <p:cNvPicPr>
-            <a:picLocks noChangeAspect="1"/>
-          </p:cNvPicPr>
-          <p:nvPr/>
-        </p:nvPicPr>
-        <p:blipFill>
-          <a:blip r:embed="rId3">
-            <a:extLst>
-              <a:ext uri="{28A0092B-C50C-407E-A947-70E740481C1C}">
-                <a14:useLocalDpi xmlns:a14="http://schemas.microsoft.com/office/drawing/2010/main" val="0"/>
-              </a:ext>
-            </a:extLst>
-          </a:blip>
-          <a:stretch>
-            <a:fillRect/>
-          </a:stretch>
-        </p:blipFill>
-        <p:spPr>
-          <a:xfrm>
-            <a:off x="6672998" y="1213533"/>
-            <a:ext cx="4927599" cy="3695700"/>
-          </a:xfrm>
-          <a:prstGeom prst="rect">
-            <a:avLst/>
-          </a:prstGeom>
-        </p:spPr>
-      </p:pic>
-      <p:pic>
-        <p:nvPicPr>
-          <p:cNvPr id="9" name="Picture 8" descr="D206mut390_plot.png"/>
-          <p:cNvPicPr>
-            <a:picLocks noChangeAspect="1"/>
-          </p:cNvPicPr>
-          <p:nvPr/>
-        </p:nvPicPr>
-        <p:blipFill>
-          <a:blip r:embed="rId4">
-            <a:extLst>
-              <a:ext uri="{28A0092B-C50C-407E-A947-70E740481C1C}">
-                <a14:useLocalDpi xmlns:a14="http://schemas.microsoft.com/office/drawing/2010/main" val="0"/>
-              </a:ext>
-            </a:extLst>
-          </a:blip>
-          <a:stretch>
-            <a:fillRect/>
-          </a:stretch>
-        </p:blipFill>
-        <p:spPr>
-          <a:xfrm>
-            <a:off x="17180130" y="1142487"/>
-            <a:ext cx="5022327" cy="3766746"/>
-          </a:xfrm>
-          <a:prstGeom prst="rect">
-            <a:avLst/>
-          </a:prstGeom>
-        </p:spPr>
-      </p:pic>
-      <p:pic>
-        <p:nvPicPr>
-          <p:cNvPr id="10" name="Picture 9" descr="D206mut435_plot.png"/>
           <p:cNvPicPr>
             <a:picLocks noChangeAspect="1"/>
           </p:cNvPicPr>
@@ -4227,8 +4227,8 @@
         </p:blipFill>
         <p:spPr>
           <a:xfrm>
-            <a:off x="11922837" y="1188835"/>
-            <a:ext cx="4960531" cy="3720398"/>
+            <a:off x="6672998" y="1213533"/>
+            <a:ext cx="4927599" cy="3695700"/>
           </a:xfrm>
           <a:prstGeom prst="rect">
             <a:avLst/>
@@ -4237,7 +4237,7 @@
       </p:pic>
       <p:pic>
         <p:nvPicPr>
-          <p:cNvPr id="15" name="Picture 14" descr="D430mR_plot.png"/>
+          <p:cNvPr id="9" name="Picture 8" descr="D206mut390_plot.png"/>
           <p:cNvPicPr>
             <a:picLocks noChangeAspect="1"/>
           </p:cNvPicPr>
@@ -4257,8 +4257,8 @@
         </p:blipFill>
         <p:spPr>
           <a:xfrm>
-            <a:off x="1517176" y="5028239"/>
-            <a:ext cx="5022328" cy="3766746"/>
+            <a:off x="17180130" y="1142487"/>
+            <a:ext cx="5022327" cy="3766746"/>
           </a:xfrm>
           <a:prstGeom prst="rect">
             <a:avLst/>
@@ -4267,7 +4267,7 @@
       </p:pic>
       <p:pic>
         <p:nvPicPr>
-          <p:cNvPr id="16" name="Picture 15" descr="D430mut165_plot.png"/>
+          <p:cNvPr id="10" name="Picture 9" descr="D206mut435_plot.png"/>
           <p:cNvPicPr>
             <a:picLocks noChangeAspect="1"/>
           </p:cNvPicPr>
@@ -4287,8 +4287,8 @@
         </p:blipFill>
         <p:spPr>
           <a:xfrm>
-            <a:off x="6672999" y="5028240"/>
-            <a:ext cx="5022327" cy="3766746"/>
+            <a:off x="11922837" y="1188835"/>
+            <a:ext cx="4960531" cy="3720398"/>
           </a:xfrm>
           <a:prstGeom prst="rect">
             <a:avLst/>
@@ -4297,7 +4297,7 @@
       </p:pic>
       <p:pic>
         <p:nvPicPr>
-          <p:cNvPr id="17" name="Picture 16" descr="D430mut435_plot.png"/>
+          <p:cNvPr id="16" name="Picture 15" descr="D430mut165_plot.png"/>
           <p:cNvPicPr>
             <a:picLocks noChangeAspect="1"/>
           </p:cNvPicPr>
@@ -4317,8 +4317,8 @@
         </p:blipFill>
         <p:spPr>
           <a:xfrm>
-            <a:off x="11922837" y="5028240"/>
-            <a:ext cx="5040563" cy="3780422"/>
+            <a:off x="6672999" y="5028240"/>
+            <a:ext cx="5022327" cy="3766746"/>
           </a:xfrm>
           <a:prstGeom prst="rect">
             <a:avLst/>
@@ -4327,7 +4327,7 @@
       </p:pic>
       <p:pic>
         <p:nvPicPr>
-          <p:cNvPr id="18" name="Picture 17" descr="D430mut390_plot.png"/>
+          <p:cNvPr id="17" name="Picture 16" descr="D430mut435_plot.png"/>
           <p:cNvPicPr>
             <a:picLocks noChangeAspect="1"/>
           </p:cNvPicPr>
@@ -4347,8 +4347,8 @@
         </p:blipFill>
         <p:spPr>
           <a:xfrm>
-            <a:off x="17103161" y="5028240"/>
-            <a:ext cx="5022327" cy="3766745"/>
+            <a:off x="11922837" y="5028240"/>
+            <a:ext cx="5040563" cy="3780422"/>
           </a:xfrm>
           <a:prstGeom prst="rect">
             <a:avLst/>
@@ -4357,7 +4357,7 @@
       </p:pic>
       <p:pic>
         <p:nvPicPr>
-          <p:cNvPr id="19" name="Picture 18" descr="D410mR_plot.png"/>
+          <p:cNvPr id="18" name="Picture 17" descr="D430mut390_plot.png"/>
           <p:cNvPicPr>
             <a:picLocks noChangeAspect="1"/>
           </p:cNvPicPr>
@@ -4377,8 +4377,8 @@
         </p:blipFill>
         <p:spPr>
           <a:xfrm>
-            <a:off x="1498222" y="8908646"/>
-            <a:ext cx="5022328" cy="3766746"/>
+            <a:off x="17103161" y="5028240"/>
+            <a:ext cx="5022327" cy="3766745"/>
           </a:xfrm>
           <a:prstGeom prst="rect">
             <a:avLst/>
@@ -4483,7 +4483,7 @@
         </p:nvCxnSpPr>
         <p:spPr>
           <a:xfrm>
-            <a:off x="2664732" y="1904961"/>
+            <a:off x="2682371" y="1904961"/>
             <a:ext cx="0" cy="215442"/>
           </a:xfrm>
           <a:prstGeom prst="straightConnector1">
@@ -4549,7 +4549,7 @@
         </p:nvCxnSpPr>
         <p:spPr>
           <a:xfrm>
-            <a:off x="2664732" y="5821926"/>
+            <a:off x="2700010" y="5821926"/>
             <a:ext cx="0" cy="215442"/>
           </a:xfrm>
           <a:prstGeom prst="straightConnector1">
@@ -4582,7 +4582,7 @@
         </p:nvCxnSpPr>
         <p:spPr>
           <a:xfrm>
-            <a:off x="2664732" y="9699881"/>
+            <a:off x="2717649" y="10528867"/>
             <a:ext cx="0" cy="215442"/>
           </a:xfrm>
           <a:prstGeom prst="straightConnector1">
@@ -4714,7 +4714,7 @@
         </p:nvCxnSpPr>
         <p:spPr>
           <a:xfrm>
-            <a:off x="5763985" y="2600281"/>
+            <a:off x="5746346" y="2600281"/>
             <a:ext cx="0" cy="215442"/>
           </a:xfrm>
           <a:prstGeom prst="straightConnector1">
@@ -4912,7 +4912,7 @@
         </p:nvCxnSpPr>
         <p:spPr>
           <a:xfrm>
-            <a:off x="5786663" y="6529263"/>
+            <a:off x="5751385" y="6882023"/>
             <a:ext cx="0" cy="215442"/>
           </a:xfrm>
           <a:prstGeom prst="straightConnector1">
@@ -4945,7 +4945,7 @@
         </p:nvCxnSpPr>
         <p:spPr>
           <a:xfrm>
-            <a:off x="5763985" y="10423550"/>
+            <a:off x="5763985" y="12010970"/>
             <a:ext cx="0" cy="215442"/>
           </a:xfrm>
           <a:prstGeom prst="straightConnector1">
@@ -4978,7 +4978,7 @@
         </p:nvCxnSpPr>
         <p:spPr>
           <a:xfrm>
-            <a:off x="5360760" y="3285616"/>
+            <a:off x="5343121" y="3267978"/>
             <a:ext cx="0" cy="215442"/>
           </a:xfrm>
           <a:prstGeom prst="straightConnector1">
@@ -5011,7 +5011,7 @@
         </p:nvCxnSpPr>
         <p:spPr>
           <a:xfrm>
-            <a:off x="5360760" y="7164923"/>
+            <a:off x="5360760" y="7746977"/>
             <a:ext cx="0" cy="215442"/>
           </a:xfrm>
           <a:prstGeom prst="straightConnector1">
@@ -5044,7 +5044,7 @@
         </p:nvCxnSpPr>
         <p:spPr>
           <a:xfrm>
-            <a:off x="5363027" y="11036532"/>
+            <a:off x="5363027" y="11777328"/>
             <a:ext cx="0" cy="215442"/>
           </a:xfrm>
           <a:prstGeom prst="straightConnector1">
@@ -5077,7 +5077,7 @@
         </p:nvCxnSpPr>
         <p:spPr>
           <a:xfrm>
-            <a:off x="2120446" y="2120403"/>
+            <a:off x="2120446" y="2155679"/>
             <a:ext cx="19889108" cy="0"/>
           </a:xfrm>
           <a:prstGeom prst="line">
@@ -5113,7 +5113,7 @@
         </p:nvCxnSpPr>
         <p:spPr>
           <a:xfrm>
-            <a:off x="2120446" y="6037368"/>
+            <a:off x="2120446" y="6072644"/>
             <a:ext cx="19889108" cy="0"/>
           </a:xfrm>
           <a:prstGeom prst="line">
@@ -5149,7 +5149,7 @@
         </p:nvCxnSpPr>
         <p:spPr>
           <a:xfrm>
-            <a:off x="2120446" y="9915323"/>
+            <a:off x="2120446" y="10814861"/>
             <a:ext cx="19889108" cy="0"/>
           </a:xfrm>
           <a:prstGeom prst="line">
@@ -5185,7 +5185,7 @@
         </p:nvCxnSpPr>
         <p:spPr>
           <a:xfrm>
-            <a:off x="2120446" y="2848459"/>
+            <a:off x="2120446" y="2866097"/>
             <a:ext cx="19889108" cy="0"/>
           </a:xfrm>
           <a:prstGeom prst="line">
@@ -5223,7 +5223,7 @@
         </p:nvCxnSpPr>
         <p:spPr>
           <a:xfrm>
-            <a:off x="2120446" y="6764688"/>
+            <a:off x="2102807" y="7152724"/>
             <a:ext cx="19889108" cy="0"/>
           </a:xfrm>
           <a:prstGeom prst="line">
@@ -5261,7 +5261,7 @@
         </p:nvCxnSpPr>
         <p:spPr>
           <a:xfrm>
-            <a:off x="2120446" y="10638992"/>
+            <a:off x="2120446" y="12208774"/>
             <a:ext cx="19889108" cy="0"/>
           </a:xfrm>
           <a:prstGeom prst="line">
@@ -5299,7 +5299,7 @@
         </p:nvCxnSpPr>
         <p:spPr>
           <a:xfrm>
-            <a:off x="2272846" y="7380365"/>
+            <a:off x="2272846" y="7997695"/>
             <a:ext cx="19889108" cy="0"/>
           </a:xfrm>
           <a:prstGeom prst="line">
@@ -5335,7 +5335,7 @@
         </p:nvCxnSpPr>
         <p:spPr>
           <a:xfrm>
-            <a:off x="2120446" y="3501058"/>
+            <a:off x="2120446" y="3483420"/>
             <a:ext cx="19889108" cy="0"/>
           </a:xfrm>
           <a:prstGeom prst="line">
@@ -5371,7 +5371,7 @@
         </p:nvCxnSpPr>
         <p:spPr>
           <a:xfrm>
-            <a:off x="2120446" y="11236661"/>
+            <a:off x="2120446" y="12012733"/>
             <a:ext cx="19889108" cy="0"/>
           </a:xfrm>
           <a:prstGeom prst="line">
